--- a/doc/筹码分布因子.pptx
+++ b/doc/筹码分布因子.pptx
@@ -266,7 +266,7 @@
               <a:pPr>
                 <a:defRPr/>
               </a:pPr>
-              <a:t>18/3/20</a:t>
+              <a:t>18/4/17</a:t>
             </a:fld>
             <a:endParaRPr lang="zh-CN" altLang="en-US"/>
           </a:p>
@@ -469,7 +469,7 @@
               <a:pPr>
                 <a:defRPr/>
               </a:pPr>
-              <a:t>18/3/20</a:t>
+              <a:t>18/4/17</a:t>
             </a:fld>
             <a:endParaRPr lang="zh-CN" altLang="en-US"/>
           </a:p>
@@ -1389,7 +1389,7 @@
               <a:pPr>
                 <a:defRPr/>
               </a:pPr>
-              <a:t>18/3/20</a:t>
+              <a:t>18/4/17</a:t>
             </a:fld>
             <a:endParaRPr lang="zh-CN" altLang="en-US"/>
           </a:p>
@@ -1586,7 +1586,7 @@
               <a:pPr>
                 <a:defRPr/>
               </a:pPr>
-              <a:t>18/3/20</a:t>
+              <a:t>18/4/17</a:t>
             </a:fld>
             <a:endParaRPr lang="zh-CN" altLang="en-US"/>
           </a:p>
@@ -1793,7 +1793,7 @@
               <a:pPr>
                 <a:defRPr/>
               </a:pPr>
-              <a:t>18/3/20</a:t>
+              <a:t>18/4/17</a:t>
             </a:fld>
             <a:endParaRPr lang="zh-CN" altLang="en-US"/>
           </a:p>
@@ -1990,7 +1990,7 @@
               <a:pPr>
                 <a:defRPr/>
               </a:pPr>
-              <a:t>18/3/20</a:t>
+              <a:t>18/4/17</a:t>
             </a:fld>
             <a:endParaRPr lang="zh-CN" altLang="en-US"/>
           </a:p>
@@ -2263,7 +2263,7 @@
               <a:pPr>
                 <a:defRPr/>
               </a:pPr>
-              <a:t>18/3/20</a:t>
+              <a:t>18/4/17</a:t>
             </a:fld>
             <a:endParaRPr lang="zh-CN" altLang="en-US"/>
           </a:p>
@@ -2578,7 +2578,7 @@
               <a:pPr>
                 <a:defRPr/>
               </a:pPr>
-              <a:t>18/3/20</a:t>
+              <a:t>18/4/17</a:t>
             </a:fld>
             <a:endParaRPr lang="zh-CN" altLang="en-US"/>
           </a:p>
@@ -3027,7 +3027,7 @@
               <a:pPr>
                 <a:defRPr/>
               </a:pPr>
-              <a:t>18/3/20</a:t>
+              <a:t>18/4/17</a:t>
             </a:fld>
             <a:endParaRPr lang="zh-CN" altLang="en-US"/>
           </a:p>
@@ -3172,7 +3172,7 @@
               <a:pPr>
                 <a:defRPr/>
               </a:pPr>
-              <a:t>18/3/20</a:t>
+              <a:t>18/4/17</a:t>
             </a:fld>
             <a:endParaRPr lang="zh-CN" altLang="en-US"/>
           </a:p>
@@ -3294,7 +3294,7 @@
               <a:pPr>
                 <a:defRPr/>
               </a:pPr>
-              <a:t>18/3/20</a:t>
+              <a:t>18/4/17</a:t>
             </a:fld>
             <a:endParaRPr lang="zh-CN" altLang="en-US"/>
           </a:p>
@@ -3598,7 +3598,7 @@
               <a:pPr>
                 <a:defRPr/>
               </a:pPr>
-              <a:t>18/3/20</a:t>
+              <a:t>18/4/17</a:t>
             </a:fld>
             <a:endParaRPr lang="zh-CN" altLang="en-US"/>
           </a:p>
@@ -3881,7 +3881,7 @@
               <a:pPr>
                 <a:defRPr/>
               </a:pPr>
-              <a:t>18/3/20</a:t>
+              <a:t>18/4/17</a:t>
             </a:fld>
             <a:endParaRPr lang="zh-CN" altLang="en-US"/>
           </a:p>
@@ -4178,7 +4178,7 @@
               <a:pPr>
                 <a:defRPr/>
               </a:pPr>
-              <a:t>18/3/20</a:t>
+              <a:t>18/4/17</a:t>
             </a:fld>
             <a:endParaRPr lang="zh-CN" altLang="en-US"/>
           </a:p>
@@ -11030,7 +11030,31 @@
               <a:rPr lang="en-US" altLang="en-US" dirty="0" smtClean="0">
                 <a:latin typeface="宋体" charset="0"/>
               </a:rPr>
-              <a:t>股票交易都是通过买卖双方在某个价位进行买卖成交而实现的，随着股票的额上涨或下跌，在不同的价格区域产生不同的交易量，这些交易量在不同的价位的分布量，形成了股票在不同价位的持仓成本。</a:t>
+              <a:t>股票交易都是通过买卖双方在某个价位进行买卖成交而实现的，随着股票</a:t>
+            </a:r>
+            <a:r>
+              <a:rPr lang="en-US" altLang="en-US" dirty="0" smtClean="0">
+                <a:latin typeface="宋体" charset="0"/>
+              </a:rPr>
+              <a:t>的上涨</a:t>
+            </a:r>
+            <a:r>
+              <a:rPr lang="en-US" altLang="en-US" dirty="0" smtClean="0">
+                <a:latin typeface="宋体" charset="0"/>
+              </a:rPr>
+              <a:t>或下跌，在不同的价格区域产生不同的交易量，这些交易量在</a:t>
+            </a:r>
+            <a:r>
+              <a:rPr lang="en-US" altLang="en-US" dirty="0" smtClean="0">
+                <a:latin typeface="宋体" charset="0"/>
+              </a:rPr>
+              <a:t>不同价</a:t>
+            </a:r>
+            <a:r>
+              <a:rPr lang="en-US" altLang="en-US" dirty="0" smtClean="0">
+                <a:latin typeface="宋体" charset="0"/>
+              </a:rPr>
+              <a:t>位的分布量，形成了股票在不同价位的持仓成本。</a:t>
             </a:r>
           </a:p>
           <a:p>
@@ -11048,7 +11072,31 @@
               <a:rPr lang="en-US" altLang="en-US" dirty="0" smtClean="0">
                 <a:latin typeface="宋体" charset="0"/>
               </a:rPr>
-              <a:t>筹码分布主要应用于筹码持仓成本分析。一轮行情发展都是由成本转换开始的，又因成本转换而结束。成本转换就是筹码搬家，是指持仓筹码由一个价位向另一个价位搬运的过程，这个过程不仅是股价的转换，更重要的是持仓筹码数量的转换。股票的走势在表象上体现了股票的变化，而其内在的本质却体现了持仓成本的转换。</a:t>
+              <a:t>筹码分布主要应用于筹码持仓成本分析。一轮行情发展都是由成本转换开始的，又因成本转换而结束。成本转换就是筹码搬家，是指持仓筹码由一个价位向另一个价位搬运的过程，这个过程不仅是股价的转换，更重要的是持仓筹码数量的转换。股票的走势在表象上体现</a:t>
+            </a:r>
+            <a:r>
+              <a:rPr lang="en-US" altLang="en-US" dirty="0" smtClean="0">
+                <a:latin typeface="宋体" charset="0"/>
+              </a:rPr>
+              <a:t>了</a:t>
+            </a:r>
+            <a:r>
+              <a:rPr lang="en-US" altLang="en-US" dirty="0" smtClean="0">
+                <a:latin typeface="宋体" charset="0"/>
+              </a:rPr>
+              <a:t>股价</a:t>
+            </a:r>
+            <a:r>
+              <a:rPr lang="en-US" altLang="en-US" dirty="0" smtClean="0">
+                <a:latin typeface="宋体" charset="0"/>
+              </a:rPr>
+              <a:t>的</a:t>
+            </a:r>
+            <a:r>
+              <a:rPr lang="en-US" altLang="en-US" dirty="0" smtClean="0">
+                <a:latin typeface="宋体" charset="0"/>
+              </a:rPr>
+              <a:t>变化，而其内在的本质却体现了持仓成本的转换。</a:t>
             </a:r>
             <a:endParaRPr lang="en-US" altLang="zh-CN" dirty="0">
               <a:latin typeface="宋体" charset="0"/>
@@ -13495,7 +13543,31 @@
               <a:rPr lang="en-US" altLang="en-US" dirty="0" smtClean="0">
                 <a:latin typeface="宋体" charset="0"/>
               </a:rPr>
-              <a:t>以发行日的发行价为起点，以交易日的总成交额除以总成交额（VWAP）作为该交易日的成本。以换手率来估计流通盘的移动。成本根据个股的后复权价格计算。</a:t>
+              <a:t>以发行日的发行价为起点，以交易日的总成交额除以总</a:t>
+            </a:r>
+            <a:r>
+              <a:rPr lang="en-US" altLang="en-US" dirty="0" smtClean="0">
+                <a:latin typeface="宋体" charset="0"/>
+              </a:rPr>
+              <a:t>成交</a:t>
+            </a:r>
+            <a:r>
+              <a:rPr lang="en-US" altLang="en-US" dirty="0" smtClean="0">
+                <a:latin typeface="宋体" charset="0"/>
+              </a:rPr>
+              <a:t>量</a:t>
+            </a:r>
+            <a:r>
+              <a:rPr lang="en-US" altLang="en-US" dirty="0" smtClean="0">
+                <a:latin typeface="宋体" charset="0"/>
+              </a:rPr>
+              <a:t>（</a:t>
+            </a:r>
+            <a:r>
+              <a:rPr lang="en-US" altLang="en-US" dirty="0" smtClean="0">
+                <a:latin typeface="宋体" charset="0"/>
+              </a:rPr>
+              <a:t>VWAP）作为该交易日的成本。以换手率来估计流通盘的移动。成本根据个股的后复权价格计算。</a:t>
             </a:r>
           </a:p>
           <a:p>
